--- a/HW#1/HW1_2015005187_최철훈.pptx
+++ b/HW#1/HW1_2015005187_최철훈.pptx
@@ -277,7 +277,7 @@
                 </a:solidFill>
               </a:rPr>
               <a:pPr/>
-              <a:t>2020-09-05</a:t>
+              <a:t>2020-09-13</a:t>
             </a:fld>
             <a:endParaRPr lang="ko-KR" altLang="en-US">
               <a:solidFill>
@@ -507,7 +507,7 @@
                 </a:solidFill>
               </a:rPr>
               <a:pPr/>
-              <a:t>2020-09-05</a:t>
+              <a:t>2020-09-13</a:t>
             </a:fld>
             <a:endParaRPr lang="ko-KR" altLang="en-US">
               <a:solidFill>
@@ -747,7 +747,7 @@
                 </a:solidFill>
               </a:rPr>
               <a:pPr/>
-              <a:t>2020-09-05</a:t>
+              <a:t>2020-09-13</a:t>
             </a:fld>
             <a:endParaRPr lang="ko-KR" altLang="en-US">
               <a:solidFill>
@@ -977,7 +977,7 @@
                 </a:solidFill>
               </a:rPr>
               <a:pPr/>
-              <a:t>2020-09-05</a:t>
+              <a:t>2020-09-13</a:t>
             </a:fld>
             <a:endParaRPr lang="ko-KR" altLang="en-US">
               <a:solidFill>
@@ -1284,7 +1284,7 @@
                 </a:solidFill>
               </a:rPr>
               <a:pPr/>
-              <a:t>2020-09-05</a:t>
+              <a:t>2020-09-13</a:t>
             </a:fld>
             <a:endParaRPr lang="ko-KR" altLang="en-US">
               <a:solidFill>
@@ -1581,7 +1581,7 @@
                 </a:solidFill>
               </a:rPr>
               <a:pPr/>
-              <a:t>2020-09-05</a:t>
+              <a:t>2020-09-13</a:t>
             </a:fld>
             <a:endParaRPr lang="ko-KR" altLang="en-US">
               <a:solidFill>
@@ -2025,7 +2025,7 @@
                 </a:solidFill>
               </a:rPr>
               <a:pPr/>
-              <a:t>2020-09-05</a:t>
+              <a:t>2020-09-13</a:t>
             </a:fld>
             <a:endParaRPr lang="ko-KR" altLang="en-US">
               <a:solidFill>
@@ -2198,7 +2198,7 @@
                 </a:solidFill>
               </a:rPr>
               <a:pPr/>
-              <a:t>2020-09-05</a:t>
+              <a:t>2020-09-13</a:t>
             </a:fld>
             <a:endParaRPr lang="ko-KR" altLang="en-US">
               <a:solidFill>
@@ -2343,7 +2343,7 @@
                 </a:solidFill>
               </a:rPr>
               <a:pPr/>
-              <a:t>2020-09-05</a:t>
+              <a:t>2020-09-13</a:t>
             </a:fld>
             <a:endParaRPr lang="ko-KR" altLang="en-US">
               <a:solidFill>
@@ -2686,7 +2686,7 @@
                 </a:solidFill>
               </a:rPr>
               <a:pPr/>
-              <a:t>2020-09-05</a:t>
+              <a:t>2020-09-13</a:t>
             </a:fld>
             <a:endParaRPr lang="ko-KR" altLang="en-US">
               <a:solidFill>
@@ -3006,7 +3006,7 @@
                 </a:solidFill>
               </a:rPr>
               <a:pPr/>
-              <a:t>2020-09-05</a:t>
+              <a:t>2020-09-13</a:t>
             </a:fld>
             <a:endParaRPr lang="ko-KR" altLang="en-US">
               <a:solidFill>
@@ -3279,7 +3279,7 @@
                 </a:solidFill>
               </a:rPr>
               <a:pPr/>
-              <a:t>2020-09-05</a:t>
+              <a:t>2020-09-13</a:t>
             </a:fld>
             <a:endParaRPr lang="ko-KR" altLang="en-US">
               <a:solidFill>
@@ -13957,7 +13957,7 @@
                   <a:prstClr val="white"/>
                 </a:solidFill>
               </a:rPr>
-              <a:t>https://github.com/cheol-hoon/Numerical-Analysis</a:t>
+              <a:t>https://github.com/cheol-hoon/Numerical_Analysis</a:t>
             </a:r>
           </a:p>
         </p:txBody>
@@ -37658,8 +37658,8 @@
           </a:p>
         </p:txBody>
       </p:sp>
-      <mc:AlternateContent xmlns:mc="http://schemas.openxmlformats.org/markup-compatibility/2006">
-        <mc:Choice xmlns:a14="http://schemas.microsoft.com/office/drawing/2010/main" Requires="a14">
+      <mc:AlternateContent xmlns:mc="http://schemas.openxmlformats.org/markup-compatibility/2006" xmlns:a14="http://schemas.microsoft.com/office/drawing/2010/main">
+        <mc:Choice Requires="a14">
           <p:sp>
             <p:nvSpPr>
               <p:cNvPr id="2" name="사각형: 둥근 모서리 1">
@@ -38082,7 +38082,7 @@
             </p:txBody>
           </p:sp>
         </mc:Choice>
-        <mc:Fallback>
+        <mc:Fallback xmlns="">
           <p:sp>
             <p:nvSpPr>
               <p:cNvPr id="2" name="사각형: 둥근 모서리 1">
